--- a/app/Taps_TechBugs.pptx
+++ b/app/Taps_TechBugs.pptx
@@ -105,6 +105,11 @@
       </a:defRPr>
     </a:lvl9pPr>
   </p:defaultTextStyle>
+  <p:extLst>
+    <p:ext uri="{EFAFB233-063F-42B5-8137-9DF3F51BA10A}">
+      <p15:sldGuideLst xmlns:p15="http://schemas.microsoft.com/office/powerpoint/2012/main"/>
+    </p:ext>
+  </p:extLst>
 </p:presentation>
 </file>
 
@@ -239,7 +244,7 @@
           <a:p>
             <a:fld id="{DE751006-0D0D-914D-A98C-CC1083B7DD99}" type="datetimeFigureOut">
               <a:rPr lang="en-US" smtClean="0"/>
-              <a:t>10/31/24</a:t>
+              <a:t>11/1/24</a:t>
             </a:fld>
             <a:endParaRPr lang="en-US"/>
           </a:p>
@@ -409,7 +414,7 @@
           <a:p>
             <a:fld id="{DE751006-0D0D-914D-A98C-CC1083B7DD99}" type="datetimeFigureOut">
               <a:rPr lang="en-US" smtClean="0"/>
-              <a:t>10/31/24</a:t>
+              <a:t>11/1/24</a:t>
             </a:fld>
             <a:endParaRPr lang="en-US"/>
           </a:p>
@@ -589,7 +594,7 @@
           <a:p>
             <a:fld id="{DE751006-0D0D-914D-A98C-CC1083B7DD99}" type="datetimeFigureOut">
               <a:rPr lang="en-US" smtClean="0"/>
-              <a:t>10/31/24</a:t>
+              <a:t>11/1/24</a:t>
             </a:fld>
             <a:endParaRPr lang="en-US"/>
           </a:p>
@@ -759,7 +764,7 @@
           <a:p>
             <a:fld id="{DE751006-0D0D-914D-A98C-CC1083B7DD99}" type="datetimeFigureOut">
               <a:rPr lang="en-US" smtClean="0"/>
-              <a:t>10/31/24</a:t>
+              <a:t>11/1/24</a:t>
             </a:fld>
             <a:endParaRPr lang="en-US"/>
           </a:p>
@@ -1005,7 +1010,7 @@
           <a:p>
             <a:fld id="{DE751006-0D0D-914D-A98C-CC1083B7DD99}" type="datetimeFigureOut">
               <a:rPr lang="en-US" smtClean="0"/>
-              <a:t>10/31/24</a:t>
+              <a:t>11/1/24</a:t>
             </a:fld>
             <a:endParaRPr lang="en-US"/>
           </a:p>
@@ -1237,7 +1242,7 @@
           <a:p>
             <a:fld id="{DE751006-0D0D-914D-A98C-CC1083B7DD99}" type="datetimeFigureOut">
               <a:rPr lang="en-US" smtClean="0"/>
-              <a:t>10/31/24</a:t>
+              <a:t>11/1/24</a:t>
             </a:fld>
             <a:endParaRPr lang="en-US"/>
           </a:p>
@@ -1604,7 +1609,7 @@
           <a:p>
             <a:fld id="{DE751006-0D0D-914D-A98C-CC1083B7DD99}" type="datetimeFigureOut">
               <a:rPr lang="en-US" smtClean="0"/>
-              <a:t>10/31/24</a:t>
+              <a:t>11/1/24</a:t>
             </a:fld>
             <a:endParaRPr lang="en-US"/>
           </a:p>
@@ -1722,7 +1727,7 @@
           <a:p>
             <a:fld id="{DE751006-0D0D-914D-A98C-CC1083B7DD99}" type="datetimeFigureOut">
               <a:rPr lang="en-US" smtClean="0"/>
-              <a:t>10/31/24</a:t>
+              <a:t>11/1/24</a:t>
             </a:fld>
             <a:endParaRPr lang="en-US"/>
           </a:p>
@@ -1817,7 +1822,7 @@
           <a:p>
             <a:fld id="{DE751006-0D0D-914D-A98C-CC1083B7DD99}" type="datetimeFigureOut">
               <a:rPr lang="en-US" smtClean="0"/>
-              <a:t>10/31/24</a:t>
+              <a:t>11/1/24</a:t>
             </a:fld>
             <a:endParaRPr lang="en-US"/>
           </a:p>
@@ -2094,7 +2099,7 @@
           <a:p>
             <a:fld id="{DE751006-0D0D-914D-A98C-CC1083B7DD99}" type="datetimeFigureOut">
               <a:rPr lang="en-US" smtClean="0"/>
-              <a:t>10/31/24</a:t>
+              <a:t>11/1/24</a:t>
             </a:fld>
             <a:endParaRPr lang="en-US"/>
           </a:p>
@@ -2351,7 +2356,7 @@
           <a:p>
             <a:fld id="{DE751006-0D0D-914D-A98C-CC1083B7DD99}" type="datetimeFigureOut">
               <a:rPr lang="en-US" smtClean="0"/>
-              <a:t>10/31/24</a:t>
+              <a:t>11/1/24</a:t>
             </a:fld>
             <a:endParaRPr lang="en-US"/>
           </a:p>
@@ -2564,7 +2569,7 @@
           <a:p>
             <a:fld id="{DE751006-0D0D-914D-A98C-CC1083B7DD99}" type="datetimeFigureOut">
               <a:rPr lang="en-US" smtClean="0"/>
-              <a:t>10/31/24</a:t>
+              <a:t>11/1/24</a:t>
             </a:fld>
             <a:endParaRPr lang="en-US"/>
           </a:p>
@@ -2992,8 +2997,8 @@
         </p:nvSpPr>
         <p:spPr>
           <a:xfrm>
-            <a:off x="1205947" y="4109863"/>
-            <a:ext cx="9144000" cy="602735"/>
+            <a:off x="4791693" y="4652067"/>
+            <a:ext cx="2608613" cy="602735"/>
           </a:xfrm>
         </p:spPr>
         <p:txBody>
@@ -3030,8 +3035,8 @@
         </p:nvSpPr>
         <p:spPr>
           <a:xfrm>
-            <a:off x="3392556" y="4938366"/>
-            <a:ext cx="5406888" cy="395873"/>
+            <a:off x="3730917" y="5460590"/>
+            <a:ext cx="4730166" cy="395873"/>
           </a:xfrm>
         </p:spPr>
         <p:txBody>
@@ -3046,7 +3051,21 @@
                 <a:latin typeface="Arial" panose="020B0604020202020204" pitchFamily="34" charset="0"/>
                 <a:cs typeface="Arial" panose="020B0604020202020204" pitchFamily="34" charset="0"/>
               </a:rPr>
-              <a:t>Sidharth Rai, Mahekpreet Kaur, Sindhu Palla</a:t>
+              <a:t>Sidharth Rai, </a:t>
+            </a:r>
+            <a:r>
+              <a:rPr lang="en-US" sz="1800" dirty="0" err="1">
+                <a:latin typeface="Arial" panose="020B0604020202020204" pitchFamily="34" charset="0"/>
+                <a:cs typeface="Arial" panose="020B0604020202020204" pitchFamily="34" charset="0"/>
+              </a:rPr>
+              <a:t>Mahekpreet</a:t>
+            </a:r>
+            <a:r>
+              <a:rPr lang="en-US" sz="1800" dirty="0">
+                <a:latin typeface="Arial" panose="020B0604020202020204" pitchFamily="34" charset="0"/>
+                <a:cs typeface="Arial" panose="020B0604020202020204" pitchFamily="34" charset="0"/>
+              </a:rPr>
+              <a:t> Kaur, Sindhu Palla</a:t>
             </a:r>
           </a:p>
         </p:txBody>
@@ -3067,8 +3086,8 @@
         </p:nvSpPr>
         <p:spPr>
           <a:xfrm>
-            <a:off x="455544" y="386694"/>
-            <a:ext cx="11280912" cy="2167766"/>
+            <a:off x="1419262" y="1001537"/>
+            <a:ext cx="9353474" cy="2619266"/>
           </a:xfrm>
           <a:prstGeom prst="rect">
             <a:avLst/>
@@ -3076,7 +3095,7 @@
         </p:spPr>
         <p:txBody>
           <a:bodyPr vert="horz" lIns="91440" tIns="45720" rIns="91440" bIns="45720" rtlCol="0" anchor="b">
-            <a:normAutofit/>
+            <a:normAutofit lnSpcReduction="10000"/>
           </a:bodyPr>
           <a:lstStyle>
             <a:lvl1pPr algn="ctr" defTabSz="914400" rtl="0" eaLnBrk="1" latinLnBrk="0" hangingPunct="1">
@@ -3118,7 +3137,19 @@
                 <a:latin typeface="Arial" panose="020B0604020202020204" pitchFamily="34" charset="0"/>
                 <a:cs typeface="Arial" panose="020B0604020202020204" pitchFamily="34" charset="0"/>
               </a:rPr>
-              <a:t>Utilization for Targeted Hydration and Irrigation (MARUTHI)</a:t>
+              <a:t>Utilization for Targeted Hydration and Irrigation</a:t>
+            </a:r>
+          </a:p>
+          <a:p>
+            <a:r>
+              <a:rPr lang="en-US" sz="4800" dirty="0">
+                <a:solidFill>
+                  <a:srgbClr val="000000"/>
+                </a:solidFill>
+                <a:latin typeface="Arial" panose="020B0604020202020204" pitchFamily="34" charset="0"/>
+                <a:cs typeface="Arial" panose="020B0604020202020204" pitchFamily="34" charset="0"/>
+              </a:rPr>
+              <a:t>(M.A.R.U.T.H.I.)</a:t>
             </a:r>
             <a:endParaRPr lang="en-US" sz="4800" dirty="0">
               <a:latin typeface="Arial" panose="020B0604020202020204" pitchFamily="34" charset="0"/>
@@ -3141,8 +3172,8 @@
         </p:nvSpPr>
         <p:spPr>
           <a:xfrm>
-            <a:off x="5512904" y="3101329"/>
-            <a:ext cx="1961322" cy="461665"/>
+            <a:off x="5804451" y="3984614"/>
+            <a:ext cx="525097" cy="461665"/>
           </a:xfrm>
           <a:prstGeom prst="rect">
             <a:avLst/>
@@ -3241,7 +3272,7 @@
         </p:blipFill>
         <p:spPr>
           <a:xfrm>
-            <a:off x="18440" y="613224"/>
+            <a:off x="18439" y="885524"/>
             <a:ext cx="5229421" cy="4712888"/>
           </a:xfrm>
           <a:prstGeom prst="rect">
